--- a/Documentation/ChannelAnalysis.pptx
+++ b/Documentation/ChannelAnalysis.pptx
@@ -211,7 +211,7 @@
           <a:p>
             <a:fld id="{29641BE3-DE72-4C6D-AFAB-5C5BDD043E89}" type="datetimeFigureOut">
               <a:rPr lang="en-GB" smtClean="0"/>
-              <a:t>15/04/2020</a:t>
+              <a:t>27/04/2020</a:t>
             </a:fld>
             <a:endParaRPr lang="en-GB"/>
           </a:p>
@@ -275,35 +275,35 @@
           <a:p>
             <a:pPr lvl="0"/>
             <a:r>
-              <a:rPr lang="en-US" smtClean="0"/>
+              <a:rPr lang="en-US"/>
               <a:t>Click to edit Master text styles</a:t>
             </a:r>
           </a:p>
           <a:p>
             <a:pPr lvl="1"/>
             <a:r>
-              <a:rPr lang="en-US" smtClean="0"/>
+              <a:rPr lang="en-US"/>
               <a:t>Second level</a:t>
             </a:r>
           </a:p>
           <a:p>
             <a:pPr lvl="2"/>
             <a:r>
-              <a:rPr lang="en-US" smtClean="0"/>
+              <a:rPr lang="en-US"/>
               <a:t>Third level</a:t>
             </a:r>
           </a:p>
           <a:p>
             <a:pPr lvl="3"/>
             <a:r>
-              <a:rPr lang="en-US" smtClean="0"/>
+              <a:rPr lang="en-US"/>
               <a:t>Fourth level</a:t>
             </a:r>
           </a:p>
           <a:p>
             <a:pPr lvl="4"/>
             <a:r>
-              <a:rPr lang="en-US" smtClean="0"/>
+              <a:rPr lang="en-US"/>
               <a:t>Fifth level</a:t>
             </a:r>
             <a:endParaRPr lang="en-GB"/>
@@ -524,35 +524,35 @@
           <a:lstStyle/>
           <a:p>
             <a:r>
-              <a:rPr lang="en-IN" dirty="0" smtClean="0"/>
+              <a:rPr lang="en-IN" dirty="0"/>
               <a:t>1</a:t>
             </a:r>
             <a:r>
-              <a:rPr lang="en-IN" baseline="30000" dirty="0" smtClean="0"/>
+              <a:rPr lang="en-IN" baseline="30000" dirty="0"/>
               <a:t>st</a:t>
             </a:r>
             <a:r>
-              <a:rPr lang="en-IN" dirty="0" smtClean="0"/>
+              <a:rPr lang="en-IN" dirty="0"/>
               <a:t> points: Gifts; 2</a:t>
             </a:r>
             <a:r>
-              <a:rPr lang="en-IN" baseline="30000" dirty="0" smtClean="0"/>
+              <a:rPr lang="en-IN" baseline="30000" dirty="0"/>
               <a:t>nd</a:t>
             </a:r>
             <a:r>
-              <a:rPr lang="en-IN" dirty="0" smtClean="0"/>
+              <a:rPr lang="en-IN" dirty="0"/>
               <a:t> points : Money Income Before</a:t>
             </a:r>
             <a:r>
-              <a:rPr lang="en-IN" baseline="0" dirty="0" smtClean="0"/>
+              <a:rPr lang="en-IN" baseline="0" dirty="0"/>
               <a:t> Taxes; 3</a:t>
             </a:r>
             <a:r>
-              <a:rPr lang="en-IN" baseline="30000" dirty="0" smtClean="0"/>
+              <a:rPr lang="en-IN" baseline="30000" dirty="0"/>
               <a:t>rd</a:t>
             </a:r>
             <a:r>
-              <a:rPr lang="en-IN" baseline="0" dirty="0" smtClean="0"/>
+              <a:rPr lang="en-IN" baseline="0" dirty="0"/>
               <a:t> points: Personal Taxes</a:t>
             </a:r>
             <a:endParaRPr lang="en-GB" dirty="0"/>
@@ -640,39 +640,39 @@
           <a:lstStyle/>
           <a:p>
             <a:r>
-              <a:rPr lang="en-GB" dirty="0" smtClean="0"/>
+              <a:rPr lang="en-GB" dirty="0"/>
               <a:t>503218(Natural Gas) 503701(Miscellaneous) </a:t>
             </a:r>
           </a:p>
           <a:p>
             <a:r>
-              <a:rPr lang="en-GB" dirty="0" smtClean="0"/>
+              <a:rPr lang="en-GB" dirty="0"/>
               <a:t>520660(Healthcare) 523927(Restaurants) 527449 (Alcohol) 536346(Home Maintenance) 537281(</a:t>
             </a:r>
             <a:r>
-              <a:rPr lang="en-GB" dirty="0" err="1" smtClean="0"/>
+              <a:rPr lang="en-GB" dirty="0" err="1"/>
               <a:t>HouseKeeping</a:t>
             </a:r>
             <a:r>
-              <a:rPr lang="en-GB" dirty="0" smtClean="0"/>
+              <a:rPr lang="en-GB" dirty="0"/>
               <a:t>) </a:t>
             </a:r>
           </a:p>
           <a:p>
             <a:r>
-              <a:rPr lang="en-GB" dirty="0" smtClean="0"/>
+              <a:rPr lang="en-GB" dirty="0"/>
               <a:t>567195 (Personal insurance and pensions) 571970(Reading) 575030 (Transportation) 577992 (Education) </a:t>
             </a:r>
           </a:p>
           <a:p>
             <a:r>
-              <a:rPr lang="en-GB" dirty="0" smtClean="0"/>
+              <a:rPr lang="en-GB" dirty="0"/>
               <a:t>580426 (Telephone services) 589943(Lodging away from home) 595298(Groceries) 595581(Donations) </a:t>
             </a:r>
           </a:p>
           <a:p>
             <a:r>
-              <a:rPr lang="en-GB" dirty="0" smtClean="0"/>
+              <a:rPr lang="en-GB" dirty="0"/>
               <a:t>606730(Entertainment) 616315(Apparel and services) </a:t>
             </a:r>
           </a:p>
@@ -695,13 +695,13 @@
               <a:defRPr/>
             </a:pPr>
             <a:r>
-              <a:rPr lang="en-GB" dirty="0" smtClean="0"/>
+              <a:rPr lang="en-GB" dirty="0"/>
               <a:t>620120(Personal taxes) 621924(Mortgage payments) 630626(Rented dwellings) 632961(Personal care products and services) </a:t>
             </a:r>
           </a:p>
           <a:p>
             <a:r>
-              <a:rPr lang="en-GB" dirty="0" smtClean="0"/>
+              <a:rPr lang="en-GB" dirty="0"/>
               <a:t>640784(Tobacco) 642329(Household operations) 644226(Property taxes)</a:t>
             </a:r>
           </a:p>
@@ -787,7 +787,7 @@
           <a:bodyPr/>
           <a:lstStyle/>
           <a:p>
-            <a:endParaRPr lang="en-GB" dirty="0" smtClean="0"/>
+            <a:endParaRPr lang="en-GB" dirty="0"/>
           </a:p>
         </p:txBody>
       </p:sp>
@@ -872,35 +872,35 @@
           <a:lstStyle/>
           <a:p>
             <a:r>
-              <a:rPr lang="en-IN" dirty="0" smtClean="0"/>
+              <a:rPr lang="en-IN" dirty="0"/>
               <a:t>1</a:t>
             </a:r>
             <a:r>
-              <a:rPr lang="en-IN" baseline="30000" dirty="0" smtClean="0"/>
+              <a:rPr lang="en-IN" baseline="30000" dirty="0"/>
               <a:t>st</a:t>
             </a:r>
             <a:r>
-              <a:rPr lang="en-IN" dirty="0" smtClean="0"/>
+              <a:rPr lang="en-IN" dirty="0"/>
               <a:t> points: Gifts; 2</a:t>
             </a:r>
             <a:r>
-              <a:rPr lang="en-IN" baseline="30000" dirty="0" smtClean="0"/>
+              <a:rPr lang="en-IN" baseline="30000" dirty="0"/>
               <a:t>nd</a:t>
             </a:r>
             <a:r>
-              <a:rPr lang="en-IN" dirty="0" smtClean="0"/>
+              <a:rPr lang="en-IN" dirty="0"/>
               <a:t> points : Money Income Before</a:t>
             </a:r>
             <a:r>
-              <a:rPr lang="en-IN" baseline="0" dirty="0" smtClean="0"/>
+              <a:rPr lang="en-IN" baseline="0" dirty="0"/>
               <a:t> Taxes; 3</a:t>
             </a:r>
             <a:r>
-              <a:rPr lang="en-IN" baseline="30000" dirty="0" smtClean="0"/>
+              <a:rPr lang="en-IN" baseline="30000" dirty="0"/>
               <a:t>rd</a:t>
             </a:r>
             <a:r>
-              <a:rPr lang="en-IN" baseline="0" dirty="0" smtClean="0"/>
+              <a:rPr lang="en-IN" baseline="0" dirty="0"/>
               <a:t> points: Personal Taxes</a:t>
             </a:r>
             <a:endParaRPr lang="en-GB" dirty="0"/>
@@ -987,7 +987,7 @@
           <a:bodyPr/>
           <a:lstStyle/>
           <a:p>
-            <a:endParaRPr lang="en-GB" dirty="0" smtClean="0"/>
+            <a:endParaRPr lang="en-GB" dirty="0"/>
           </a:p>
         </p:txBody>
       </p:sp>
@@ -1072,14 +1072,14 @@
           <a:lstStyle/>
           <a:p>
             <a:r>
-              <a:rPr lang="en-IN" dirty="0" smtClean="0"/>
+              <a:rPr lang="en-IN" dirty="0"/>
               <a:t>How to normalise</a:t>
             </a:r>
             <a:r>
-              <a:rPr lang="en-IN" baseline="0" dirty="0" smtClean="0"/>
+              <a:rPr lang="en-IN" baseline="0" dirty="0"/>
               <a:t> the weights for each channel?</a:t>
             </a:r>
-            <a:endParaRPr lang="en-GB" dirty="0" smtClean="0"/>
+            <a:endParaRPr lang="en-GB" dirty="0"/>
           </a:p>
         </p:txBody>
       </p:sp>
@@ -1163,7 +1163,7 @@
           <a:bodyPr/>
           <a:lstStyle/>
           <a:p>
-            <a:endParaRPr lang="en-GB" dirty="0" smtClean="0"/>
+            <a:endParaRPr lang="en-GB" dirty="0"/>
           </a:p>
         </p:txBody>
       </p:sp>
@@ -1247,7 +1247,7 @@
           <a:bodyPr/>
           <a:lstStyle/>
           <a:p>
-            <a:endParaRPr lang="en-GB" dirty="0" smtClean="0"/>
+            <a:endParaRPr lang="en-GB" dirty="0"/>
           </a:p>
         </p:txBody>
       </p:sp>
@@ -1331,7 +1331,7 @@
           <a:bodyPr/>
           <a:lstStyle/>
           <a:p>
-            <a:endParaRPr lang="en-GB" dirty="0" smtClean="0"/>
+            <a:endParaRPr lang="en-GB" dirty="0"/>
           </a:p>
         </p:txBody>
       </p:sp>
@@ -1413,7 +1413,7 @@
           </a:lstStyle>
           <a:p>
             <a:r>
-              <a:rPr lang="en-US" smtClean="0"/>
+              <a:rPr lang="en-US"/>
               <a:t>Click to edit Master title style</a:t>
             </a:r>
             <a:endParaRPr lang="en-GB"/>
@@ -1478,7 +1478,7 @@
           </a:lstStyle>
           <a:p>
             <a:r>
-              <a:rPr lang="en-US" smtClean="0"/>
+              <a:rPr lang="en-US"/>
               <a:t>Click to edit Master subtitle style</a:t>
             </a:r>
             <a:endParaRPr lang="en-GB"/>
@@ -1502,7 +1502,7 @@
           <a:p>
             <a:fld id="{69C40FC6-F425-4889-8943-095160A54B42}" type="datetimeFigureOut">
               <a:rPr lang="en-GB" smtClean="0"/>
-              <a:t>15/04/2020</a:t>
+              <a:t>27/04/2020</a:t>
             </a:fld>
             <a:endParaRPr lang="en-GB"/>
           </a:p>
@@ -1596,7 +1596,7 @@
           <a:lstStyle/>
           <a:p>
             <a:r>
-              <a:rPr lang="en-US" smtClean="0"/>
+              <a:rPr lang="en-US"/>
               <a:t>Click to edit Master title style</a:t>
             </a:r>
             <a:endParaRPr lang="en-GB"/>
@@ -1620,35 +1620,35 @@
           <a:p>
             <a:pPr lvl="0"/>
             <a:r>
-              <a:rPr lang="en-US" smtClean="0"/>
+              <a:rPr lang="en-US"/>
               <a:t>Click to edit Master text styles</a:t>
             </a:r>
           </a:p>
           <a:p>
             <a:pPr lvl="1"/>
             <a:r>
-              <a:rPr lang="en-US" smtClean="0"/>
+              <a:rPr lang="en-US"/>
               <a:t>Second level</a:t>
             </a:r>
           </a:p>
           <a:p>
             <a:pPr lvl="2"/>
             <a:r>
-              <a:rPr lang="en-US" smtClean="0"/>
+              <a:rPr lang="en-US"/>
               <a:t>Third level</a:t>
             </a:r>
           </a:p>
           <a:p>
             <a:pPr lvl="3"/>
             <a:r>
-              <a:rPr lang="en-US" smtClean="0"/>
+              <a:rPr lang="en-US"/>
               <a:t>Fourth level</a:t>
             </a:r>
           </a:p>
           <a:p>
             <a:pPr lvl="4"/>
             <a:r>
-              <a:rPr lang="en-US" smtClean="0"/>
+              <a:rPr lang="en-US"/>
               <a:t>Fifth level</a:t>
             </a:r>
             <a:endParaRPr lang="en-GB"/>
@@ -1672,7 +1672,7 @@
           <a:p>
             <a:fld id="{69C40FC6-F425-4889-8943-095160A54B42}" type="datetimeFigureOut">
               <a:rPr lang="en-GB" smtClean="0"/>
-              <a:t>15/04/2020</a:t>
+              <a:t>27/04/2020</a:t>
             </a:fld>
             <a:endParaRPr lang="en-GB"/>
           </a:p>
@@ -1771,7 +1771,7 @@
           <a:lstStyle/>
           <a:p>
             <a:r>
-              <a:rPr lang="en-US" smtClean="0"/>
+              <a:rPr lang="en-US"/>
               <a:t>Click to edit Master title style</a:t>
             </a:r>
             <a:endParaRPr lang="en-GB"/>
@@ -1800,35 +1800,35 @@
           <a:p>
             <a:pPr lvl="0"/>
             <a:r>
-              <a:rPr lang="en-US" smtClean="0"/>
+              <a:rPr lang="en-US"/>
               <a:t>Click to edit Master text styles</a:t>
             </a:r>
           </a:p>
           <a:p>
             <a:pPr lvl="1"/>
             <a:r>
-              <a:rPr lang="en-US" smtClean="0"/>
+              <a:rPr lang="en-US"/>
               <a:t>Second level</a:t>
             </a:r>
           </a:p>
           <a:p>
             <a:pPr lvl="2"/>
             <a:r>
-              <a:rPr lang="en-US" smtClean="0"/>
+              <a:rPr lang="en-US"/>
               <a:t>Third level</a:t>
             </a:r>
           </a:p>
           <a:p>
             <a:pPr lvl="3"/>
             <a:r>
-              <a:rPr lang="en-US" smtClean="0"/>
+              <a:rPr lang="en-US"/>
               <a:t>Fourth level</a:t>
             </a:r>
           </a:p>
           <a:p>
             <a:pPr lvl="4"/>
             <a:r>
-              <a:rPr lang="en-US" smtClean="0"/>
+              <a:rPr lang="en-US"/>
               <a:t>Fifth level</a:t>
             </a:r>
             <a:endParaRPr lang="en-GB"/>
@@ -1852,7 +1852,7 @@
           <a:p>
             <a:fld id="{69C40FC6-F425-4889-8943-095160A54B42}" type="datetimeFigureOut">
               <a:rPr lang="en-GB" smtClean="0"/>
-              <a:t>15/04/2020</a:t>
+              <a:t>27/04/2020</a:t>
             </a:fld>
             <a:endParaRPr lang="en-GB"/>
           </a:p>
@@ -1946,7 +1946,7 @@
           <a:lstStyle/>
           <a:p>
             <a:r>
-              <a:rPr lang="en-US" smtClean="0"/>
+              <a:rPr lang="en-US"/>
               <a:t>Click to edit Master title style</a:t>
             </a:r>
             <a:endParaRPr lang="en-GB"/>
@@ -1970,35 +1970,35 @@
           <a:p>
             <a:pPr lvl="0"/>
             <a:r>
-              <a:rPr lang="en-US" smtClean="0"/>
+              <a:rPr lang="en-US"/>
               <a:t>Click to edit Master text styles</a:t>
             </a:r>
           </a:p>
           <a:p>
             <a:pPr lvl="1"/>
             <a:r>
-              <a:rPr lang="en-US" smtClean="0"/>
+              <a:rPr lang="en-US"/>
               <a:t>Second level</a:t>
             </a:r>
           </a:p>
           <a:p>
             <a:pPr lvl="2"/>
             <a:r>
-              <a:rPr lang="en-US" smtClean="0"/>
+              <a:rPr lang="en-US"/>
               <a:t>Third level</a:t>
             </a:r>
           </a:p>
           <a:p>
             <a:pPr lvl="3"/>
             <a:r>
-              <a:rPr lang="en-US" smtClean="0"/>
+              <a:rPr lang="en-US"/>
               <a:t>Fourth level</a:t>
             </a:r>
           </a:p>
           <a:p>
             <a:pPr lvl="4"/>
             <a:r>
-              <a:rPr lang="en-US" smtClean="0"/>
+              <a:rPr lang="en-US"/>
               <a:t>Fifth level</a:t>
             </a:r>
             <a:endParaRPr lang="en-GB"/>
@@ -2022,7 +2022,7 @@
           <a:p>
             <a:fld id="{69C40FC6-F425-4889-8943-095160A54B42}" type="datetimeFigureOut">
               <a:rPr lang="en-GB" smtClean="0"/>
-              <a:t>15/04/2020</a:t>
+              <a:t>27/04/2020</a:t>
             </a:fld>
             <a:endParaRPr lang="en-GB"/>
           </a:p>
@@ -2125,7 +2125,7 @@
           </a:lstStyle>
           <a:p>
             <a:r>
-              <a:rPr lang="en-US" smtClean="0"/>
+              <a:rPr lang="en-US"/>
               <a:t>Click to edit Master title style</a:t>
             </a:r>
             <a:endParaRPr lang="en-GB"/>
@@ -2245,7 +2245,7 @@
           <a:p>
             <a:pPr lvl="0"/>
             <a:r>
-              <a:rPr lang="en-US" smtClean="0"/>
+              <a:rPr lang="en-US"/>
               <a:t>Click to edit Master text styles</a:t>
             </a:r>
           </a:p>
@@ -2268,7 +2268,7 @@
           <a:p>
             <a:fld id="{69C40FC6-F425-4889-8943-095160A54B42}" type="datetimeFigureOut">
               <a:rPr lang="en-GB" smtClean="0"/>
-              <a:t>15/04/2020</a:t>
+              <a:t>27/04/2020</a:t>
             </a:fld>
             <a:endParaRPr lang="en-GB"/>
           </a:p>
@@ -2362,7 +2362,7 @@
           <a:lstStyle/>
           <a:p>
             <a:r>
-              <a:rPr lang="en-US" smtClean="0"/>
+              <a:rPr lang="en-US"/>
               <a:t>Click to edit Master title style</a:t>
             </a:r>
             <a:endParaRPr lang="en-GB"/>
@@ -2391,35 +2391,35 @@
           <a:p>
             <a:pPr lvl="0"/>
             <a:r>
-              <a:rPr lang="en-US" smtClean="0"/>
+              <a:rPr lang="en-US"/>
               <a:t>Click to edit Master text styles</a:t>
             </a:r>
           </a:p>
           <a:p>
             <a:pPr lvl="1"/>
             <a:r>
-              <a:rPr lang="en-US" smtClean="0"/>
+              <a:rPr lang="en-US"/>
               <a:t>Second level</a:t>
             </a:r>
           </a:p>
           <a:p>
             <a:pPr lvl="2"/>
             <a:r>
-              <a:rPr lang="en-US" smtClean="0"/>
+              <a:rPr lang="en-US"/>
               <a:t>Third level</a:t>
             </a:r>
           </a:p>
           <a:p>
             <a:pPr lvl="3"/>
             <a:r>
-              <a:rPr lang="en-US" smtClean="0"/>
+              <a:rPr lang="en-US"/>
               <a:t>Fourth level</a:t>
             </a:r>
           </a:p>
           <a:p>
             <a:pPr lvl="4"/>
             <a:r>
-              <a:rPr lang="en-US" smtClean="0"/>
+              <a:rPr lang="en-US"/>
               <a:t>Fifth level</a:t>
             </a:r>
             <a:endParaRPr lang="en-GB"/>
@@ -2448,35 +2448,35 @@
           <a:p>
             <a:pPr lvl="0"/>
             <a:r>
-              <a:rPr lang="en-US" smtClean="0"/>
+              <a:rPr lang="en-US"/>
               <a:t>Click to edit Master text styles</a:t>
             </a:r>
           </a:p>
           <a:p>
             <a:pPr lvl="1"/>
             <a:r>
-              <a:rPr lang="en-US" smtClean="0"/>
+              <a:rPr lang="en-US"/>
               <a:t>Second level</a:t>
             </a:r>
           </a:p>
           <a:p>
             <a:pPr lvl="2"/>
             <a:r>
-              <a:rPr lang="en-US" smtClean="0"/>
+              <a:rPr lang="en-US"/>
               <a:t>Third level</a:t>
             </a:r>
           </a:p>
           <a:p>
             <a:pPr lvl="3"/>
             <a:r>
-              <a:rPr lang="en-US" smtClean="0"/>
+              <a:rPr lang="en-US"/>
               <a:t>Fourth level</a:t>
             </a:r>
           </a:p>
           <a:p>
             <a:pPr lvl="4"/>
             <a:r>
-              <a:rPr lang="en-US" smtClean="0"/>
+              <a:rPr lang="en-US"/>
               <a:t>Fifth level</a:t>
             </a:r>
             <a:endParaRPr lang="en-GB"/>
@@ -2500,7 +2500,7 @@
           <a:p>
             <a:fld id="{69C40FC6-F425-4889-8943-095160A54B42}" type="datetimeFigureOut">
               <a:rPr lang="en-GB" smtClean="0"/>
-              <a:t>15/04/2020</a:t>
+              <a:t>27/04/2020</a:t>
             </a:fld>
             <a:endParaRPr lang="en-GB"/>
           </a:p>
@@ -2599,7 +2599,7 @@
           <a:lstStyle/>
           <a:p>
             <a:r>
-              <a:rPr lang="en-US" smtClean="0"/>
+              <a:rPr lang="en-US"/>
               <a:t>Click to edit Master title style</a:t>
             </a:r>
             <a:endParaRPr lang="en-GB"/>
@@ -2665,7 +2665,7 @@
           <a:p>
             <a:pPr lvl="0"/>
             <a:r>
-              <a:rPr lang="en-US" smtClean="0"/>
+              <a:rPr lang="en-US"/>
               <a:t>Click to edit Master text styles</a:t>
             </a:r>
           </a:p>
@@ -2693,35 +2693,35 @@
           <a:p>
             <a:pPr lvl="0"/>
             <a:r>
-              <a:rPr lang="en-US" smtClean="0"/>
+              <a:rPr lang="en-US"/>
               <a:t>Click to edit Master text styles</a:t>
             </a:r>
           </a:p>
           <a:p>
             <a:pPr lvl="1"/>
             <a:r>
-              <a:rPr lang="en-US" smtClean="0"/>
+              <a:rPr lang="en-US"/>
               <a:t>Second level</a:t>
             </a:r>
           </a:p>
           <a:p>
             <a:pPr lvl="2"/>
             <a:r>
-              <a:rPr lang="en-US" smtClean="0"/>
+              <a:rPr lang="en-US"/>
               <a:t>Third level</a:t>
             </a:r>
           </a:p>
           <a:p>
             <a:pPr lvl="3"/>
             <a:r>
-              <a:rPr lang="en-US" smtClean="0"/>
+              <a:rPr lang="en-US"/>
               <a:t>Fourth level</a:t>
             </a:r>
           </a:p>
           <a:p>
             <a:pPr lvl="4"/>
             <a:r>
-              <a:rPr lang="en-US" smtClean="0"/>
+              <a:rPr lang="en-US"/>
               <a:t>Fifth level</a:t>
             </a:r>
             <a:endParaRPr lang="en-GB"/>
@@ -2787,7 +2787,7 @@
           <a:p>
             <a:pPr lvl="0"/>
             <a:r>
-              <a:rPr lang="en-US" smtClean="0"/>
+              <a:rPr lang="en-US"/>
               <a:t>Click to edit Master text styles</a:t>
             </a:r>
           </a:p>
@@ -2815,35 +2815,35 @@
           <a:p>
             <a:pPr lvl="0"/>
             <a:r>
-              <a:rPr lang="en-US" smtClean="0"/>
+              <a:rPr lang="en-US"/>
               <a:t>Click to edit Master text styles</a:t>
             </a:r>
           </a:p>
           <a:p>
             <a:pPr lvl="1"/>
             <a:r>
-              <a:rPr lang="en-US" smtClean="0"/>
+              <a:rPr lang="en-US"/>
               <a:t>Second level</a:t>
             </a:r>
           </a:p>
           <a:p>
             <a:pPr lvl="2"/>
             <a:r>
-              <a:rPr lang="en-US" smtClean="0"/>
+              <a:rPr lang="en-US"/>
               <a:t>Third level</a:t>
             </a:r>
           </a:p>
           <a:p>
             <a:pPr lvl="3"/>
             <a:r>
-              <a:rPr lang="en-US" smtClean="0"/>
+              <a:rPr lang="en-US"/>
               <a:t>Fourth level</a:t>
             </a:r>
           </a:p>
           <a:p>
             <a:pPr lvl="4"/>
             <a:r>
-              <a:rPr lang="en-US" smtClean="0"/>
+              <a:rPr lang="en-US"/>
               <a:t>Fifth level</a:t>
             </a:r>
             <a:endParaRPr lang="en-GB"/>
@@ -2867,7 +2867,7 @@
           <a:p>
             <a:fld id="{69C40FC6-F425-4889-8943-095160A54B42}" type="datetimeFigureOut">
               <a:rPr lang="en-GB" smtClean="0"/>
-              <a:t>15/04/2020</a:t>
+              <a:t>27/04/2020</a:t>
             </a:fld>
             <a:endParaRPr lang="en-GB"/>
           </a:p>
@@ -2961,7 +2961,7 @@
           <a:lstStyle/>
           <a:p>
             <a:r>
-              <a:rPr lang="en-US" smtClean="0"/>
+              <a:rPr lang="en-US"/>
               <a:t>Click to edit Master title style</a:t>
             </a:r>
             <a:endParaRPr lang="en-GB"/>
@@ -2985,7 +2985,7 @@
           <a:p>
             <a:fld id="{69C40FC6-F425-4889-8943-095160A54B42}" type="datetimeFigureOut">
               <a:rPr lang="en-GB" smtClean="0"/>
-              <a:t>15/04/2020</a:t>
+              <a:t>27/04/2020</a:t>
             </a:fld>
             <a:endParaRPr lang="en-GB"/>
           </a:p>
@@ -3080,7 +3080,7 @@
           <a:p>
             <a:fld id="{69C40FC6-F425-4889-8943-095160A54B42}" type="datetimeFigureOut">
               <a:rPr lang="en-GB" smtClean="0"/>
-              <a:t>15/04/2020</a:t>
+              <a:t>27/04/2020</a:t>
             </a:fld>
             <a:endParaRPr lang="en-GB"/>
           </a:p>
@@ -3183,7 +3183,7 @@
           </a:lstStyle>
           <a:p>
             <a:r>
-              <a:rPr lang="en-US" smtClean="0"/>
+              <a:rPr lang="en-US"/>
               <a:t>Click to edit Master title style</a:t>
             </a:r>
             <a:endParaRPr lang="en-GB"/>
@@ -3240,35 +3240,35 @@
           <a:p>
             <a:pPr lvl="0"/>
             <a:r>
-              <a:rPr lang="en-US" smtClean="0"/>
+              <a:rPr lang="en-US"/>
               <a:t>Click to edit Master text styles</a:t>
             </a:r>
           </a:p>
           <a:p>
             <a:pPr lvl="1"/>
             <a:r>
-              <a:rPr lang="en-US" smtClean="0"/>
+              <a:rPr lang="en-US"/>
               <a:t>Second level</a:t>
             </a:r>
           </a:p>
           <a:p>
             <a:pPr lvl="2"/>
             <a:r>
-              <a:rPr lang="en-US" smtClean="0"/>
+              <a:rPr lang="en-US"/>
               <a:t>Third level</a:t>
             </a:r>
           </a:p>
           <a:p>
             <a:pPr lvl="3"/>
             <a:r>
-              <a:rPr lang="en-US" smtClean="0"/>
+              <a:rPr lang="en-US"/>
               <a:t>Fourth level</a:t>
             </a:r>
           </a:p>
           <a:p>
             <a:pPr lvl="4"/>
             <a:r>
-              <a:rPr lang="en-US" smtClean="0"/>
+              <a:rPr lang="en-US"/>
               <a:t>Fifth level</a:t>
             </a:r>
             <a:endParaRPr lang="en-GB"/>
@@ -3334,7 +3334,7 @@
           <a:p>
             <a:pPr lvl="0"/>
             <a:r>
-              <a:rPr lang="en-US" smtClean="0"/>
+              <a:rPr lang="en-US"/>
               <a:t>Click to edit Master text styles</a:t>
             </a:r>
           </a:p>
@@ -3357,7 +3357,7 @@
           <a:p>
             <a:fld id="{69C40FC6-F425-4889-8943-095160A54B42}" type="datetimeFigureOut">
               <a:rPr lang="en-GB" smtClean="0"/>
-              <a:t>15/04/2020</a:t>
+              <a:t>27/04/2020</a:t>
             </a:fld>
             <a:endParaRPr lang="en-GB"/>
           </a:p>
@@ -3460,7 +3460,7 @@
           </a:lstStyle>
           <a:p>
             <a:r>
-              <a:rPr lang="en-US" smtClean="0"/>
+              <a:rPr lang="en-US"/>
               <a:t>Click to edit Master title style</a:t>
             </a:r>
             <a:endParaRPr lang="en-GB"/>
@@ -3587,7 +3587,7 @@
           <a:p>
             <a:pPr lvl="0"/>
             <a:r>
-              <a:rPr lang="en-US" smtClean="0"/>
+              <a:rPr lang="en-US"/>
               <a:t>Click to edit Master text styles</a:t>
             </a:r>
           </a:p>
@@ -3610,7 +3610,7 @@
           <a:p>
             <a:fld id="{69C40FC6-F425-4889-8943-095160A54B42}" type="datetimeFigureOut">
               <a:rPr lang="en-GB" smtClean="0"/>
-              <a:t>15/04/2020</a:t>
+              <a:t>27/04/2020</a:t>
             </a:fld>
             <a:endParaRPr lang="en-GB"/>
           </a:p>
@@ -3719,7 +3719,7 @@
           <a:lstStyle/>
           <a:p>
             <a:r>
-              <a:rPr lang="en-US" smtClean="0"/>
+              <a:rPr lang="en-US"/>
               <a:t>Click to edit Master title style</a:t>
             </a:r>
             <a:endParaRPr lang="en-GB"/>
@@ -3753,35 +3753,35 @@
           <a:p>
             <a:pPr lvl="0"/>
             <a:r>
-              <a:rPr lang="en-US" smtClean="0"/>
+              <a:rPr lang="en-US"/>
               <a:t>Click to edit Master text styles</a:t>
             </a:r>
           </a:p>
           <a:p>
             <a:pPr lvl="1"/>
             <a:r>
-              <a:rPr lang="en-US" smtClean="0"/>
+              <a:rPr lang="en-US"/>
               <a:t>Second level</a:t>
             </a:r>
           </a:p>
           <a:p>
             <a:pPr lvl="2"/>
             <a:r>
-              <a:rPr lang="en-US" smtClean="0"/>
+              <a:rPr lang="en-US"/>
               <a:t>Third level</a:t>
             </a:r>
           </a:p>
           <a:p>
             <a:pPr lvl="3"/>
             <a:r>
-              <a:rPr lang="en-US" smtClean="0"/>
+              <a:rPr lang="en-US"/>
               <a:t>Fourth level</a:t>
             </a:r>
           </a:p>
           <a:p>
             <a:pPr lvl="4"/>
             <a:r>
-              <a:rPr lang="en-US" smtClean="0"/>
+              <a:rPr lang="en-US"/>
               <a:t>Fifth level</a:t>
             </a:r>
             <a:endParaRPr lang="en-GB"/>
@@ -3823,7 +3823,7 @@
           <a:p>
             <a:fld id="{69C40FC6-F425-4889-8943-095160A54B42}" type="datetimeFigureOut">
               <a:rPr lang="en-GB" smtClean="0"/>
-              <a:t>15/04/2020</a:t>
+              <a:t>27/04/2020</a:t>
             </a:fld>
             <a:endParaRPr lang="en-GB"/>
           </a:p>
@@ -4244,7 +4244,7 @@
           <a:lstStyle/>
           <a:p>
             <a:r>
-              <a:rPr lang="en-IN" dirty="0" smtClean="0"/>
+              <a:rPr lang="en-IN" dirty="0"/>
               <a:t>VAST Meeting 2</a:t>
             </a:r>
             <a:endParaRPr lang="en-GB" dirty="0"/>
@@ -4267,7 +4267,7 @@
           <a:lstStyle/>
           <a:p>
             <a:r>
-              <a:rPr lang="en-IN" dirty="0" smtClean="0"/>
+              <a:rPr lang="en-IN" dirty="0"/>
               <a:t>15-04-2020</a:t>
             </a:r>
             <a:endParaRPr lang="en-GB" dirty="0"/>
@@ -4322,14 +4322,14 @@
           <a:lstStyle/>
           <a:p>
             <a:r>
-              <a:rPr lang="en-IN" sz="4000" dirty="0" smtClean="0"/>
+              <a:rPr lang="en-IN" sz="4000" dirty="0"/>
               <a:t>Expense Categories (Target) v/s Weight (Money)</a:t>
             </a:r>
             <a:br>
-              <a:rPr lang="en-IN" sz="4000" dirty="0" smtClean="0"/>
+              <a:rPr lang="en-IN" sz="4000" dirty="0"/>
             </a:br>
             <a:r>
-              <a:rPr lang="en-IN" sz="2800" dirty="0" smtClean="0"/>
+              <a:rPr lang="en-IN" sz="2800" dirty="0"/>
               <a:t>Graph1:</a:t>
             </a:r>
             <a:endParaRPr lang="en-GB" sz="4000" dirty="0"/>
@@ -4408,14 +4408,14 @@
           <a:lstStyle/>
           <a:p>
             <a:r>
-              <a:rPr lang="en-IN" sz="4000" dirty="0" smtClean="0"/>
+              <a:rPr lang="en-IN" sz="4000" dirty="0"/>
               <a:t>Weight Distribution</a:t>
             </a:r>
             <a:br>
-              <a:rPr lang="en-IN" sz="4000" dirty="0" smtClean="0"/>
+              <a:rPr lang="en-IN" sz="4000" dirty="0"/>
             </a:br>
             <a:r>
-              <a:rPr lang="en-IN" sz="2800" dirty="0" smtClean="0"/>
+              <a:rPr lang="en-IN" sz="2800" dirty="0"/>
               <a:t>Graph 1:</a:t>
             </a:r>
             <a:endParaRPr lang="en-GB" sz="4000" dirty="0"/>
@@ -4494,14 +4494,14 @@
           <a:lstStyle/>
           <a:p>
             <a:r>
-              <a:rPr lang="en-IN" sz="4000" dirty="0" smtClean="0"/>
+              <a:rPr lang="en-IN" sz="4000" dirty="0"/>
               <a:t>Parallel Coordinates</a:t>
             </a:r>
             <a:br>
-              <a:rPr lang="en-IN" sz="4000" dirty="0" smtClean="0"/>
+              <a:rPr lang="en-IN" sz="4000" dirty="0"/>
             </a:br>
             <a:r>
-              <a:rPr lang="en-IN" sz="2800" dirty="0" smtClean="0"/>
+              <a:rPr lang="en-IN" sz="2800" dirty="0"/>
               <a:t>Template:</a:t>
             </a:r>
             <a:endParaRPr lang="en-GB" sz="4000" dirty="0"/>
@@ -4580,14 +4580,14 @@
           <a:lstStyle/>
           <a:p>
             <a:r>
-              <a:rPr lang="en-IN" sz="4000" dirty="0" smtClean="0"/>
+              <a:rPr lang="en-IN" sz="4000" dirty="0"/>
               <a:t>Parallel Coordinates</a:t>
             </a:r>
             <a:br>
-              <a:rPr lang="en-IN" sz="4000" dirty="0" smtClean="0"/>
+              <a:rPr lang="en-IN" sz="4000" dirty="0"/>
             </a:br>
             <a:r>
-              <a:rPr lang="en-IN" sz="2800" dirty="0" smtClean="0"/>
+              <a:rPr lang="en-IN" sz="2800" dirty="0"/>
               <a:t>Graph1:</a:t>
             </a:r>
             <a:endParaRPr lang="en-GB" sz="4000" dirty="0"/>
@@ -4666,14 +4666,14 @@
           <a:lstStyle/>
           <a:p>
             <a:r>
-              <a:rPr lang="en-IN" sz="4000" dirty="0" smtClean="0"/>
+              <a:rPr lang="en-IN" sz="4000" dirty="0"/>
               <a:t>Parallel Coordinates</a:t>
             </a:r>
             <a:br>
-              <a:rPr lang="en-IN" sz="4000" dirty="0" smtClean="0"/>
+              <a:rPr lang="en-IN" sz="4000" dirty="0"/>
             </a:br>
             <a:r>
-              <a:rPr lang="en-IN" sz="2800" dirty="0" smtClean="0"/>
+              <a:rPr lang="en-IN" sz="2800" dirty="0"/>
               <a:t>Graph2:</a:t>
             </a:r>
             <a:endParaRPr lang="en-GB" sz="4000" dirty="0"/>
@@ -4750,7 +4750,7 @@
           <a:lstStyle/>
           <a:p>
             <a:r>
-              <a:rPr lang="en-IN" dirty="0" smtClean="0"/>
+              <a:rPr lang="en-IN" dirty="0"/>
               <a:t>Doubts</a:t>
             </a:r>
             <a:endParaRPr lang="en-GB" dirty="0"/>
@@ -4773,25 +4773,25 @@
           <a:lstStyle/>
           <a:p>
             <a:r>
-              <a:rPr lang="en-IN" dirty="0" smtClean="0"/>
+              <a:rPr lang="en-IN" dirty="0"/>
               <a:t>How to normalise the weights?</a:t>
             </a:r>
           </a:p>
           <a:p>
             <a:r>
-              <a:rPr lang="en-IN" dirty="0" smtClean="0"/>
+              <a:rPr lang="en-IN" dirty="0"/>
               <a:t>The Travel data is very ambiguous</a:t>
             </a:r>
           </a:p>
           <a:p>
             <a:r>
-              <a:rPr lang="en-IN" dirty="0" smtClean="0"/>
+              <a:rPr lang="en-IN" dirty="0"/>
               <a:t>How to compare 2 graphs</a:t>
             </a:r>
           </a:p>
           <a:p>
             <a:r>
-              <a:rPr lang="en-IN" dirty="0" smtClean="0"/>
+              <a:rPr lang="en-IN" dirty="0"/>
               <a:t>Should we create the parallel coordinates for each channel separately?</a:t>
             </a:r>
             <a:endParaRPr lang="en-GB" dirty="0"/>
@@ -4844,7 +4844,7 @@
           <a:lstStyle/>
           <a:p>
             <a:r>
-              <a:rPr lang="en-IN" dirty="0" smtClean="0"/>
+              <a:rPr lang="en-IN" dirty="0"/>
               <a:t>Data Analysis</a:t>
             </a:r>
             <a:endParaRPr lang="en-GB" dirty="0"/>
@@ -4869,83 +4869,91 @@
           <a:lstStyle/>
           <a:p>
             <a:r>
-              <a:rPr lang="en-IN" dirty="0" smtClean="0"/>
+              <a:rPr lang="en-IN" dirty="0"/>
               <a:t>Worked on Template and Graph Data</a:t>
             </a:r>
           </a:p>
           <a:p>
             <a:r>
-              <a:rPr lang="en-IN" dirty="0" smtClean="0"/>
-              <a:t>Divided all data into 5 groups based on channels: </a:t>
+              <a:rPr lang="en-IN" dirty="0"/>
+              <a:t>Divided all </a:t>
+            </a:r>
+            <a:r>
+              <a:rPr lang="en-IN"/>
+              <a:t>data based on 5 </a:t>
+            </a:r>
+            <a:r>
+              <a:rPr lang="en-IN" dirty="0"/>
+              <a:t>channels: </a:t>
             </a:r>
           </a:p>
           <a:p>
             <a:pPr lvl="1"/>
             <a:r>
-              <a:rPr lang="en-IN" dirty="0" smtClean="0"/>
+              <a:rPr lang="en-IN" dirty="0"/>
               <a:t>Communication</a:t>
             </a:r>
           </a:p>
           <a:p>
             <a:pPr lvl="1"/>
             <a:r>
-              <a:rPr lang="en-IN" dirty="0" smtClean="0"/>
+              <a:rPr lang="en-IN" dirty="0"/>
               <a:t>Procurement</a:t>
             </a:r>
           </a:p>
           <a:p>
             <a:pPr lvl="1"/>
             <a:r>
-              <a:rPr lang="en-IN" dirty="0" smtClean="0"/>
+              <a:rPr lang="en-IN" dirty="0"/>
               <a:t>Co-Authorship</a:t>
             </a:r>
           </a:p>
           <a:p>
             <a:pPr lvl="1"/>
             <a:r>
-              <a:rPr lang="en-IN" dirty="0" smtClean="0"/>
+              <a:rPr lang="en-IN" dirty="0"/>
               <a:t>Demographic</a:t>
             </a:r>
           </a:p>
           <a:p>
             <a:pPr lvl="1"/>
             <a:r>
-              <a:rPr lang="en-IN" dirty="0" smtClean="0"/>
+              <a:rPr lang="en-IN" dirty="0"/>
               <a:t>Travel</a:t>
             </a:r>
           </a:p>
           <a:p>
             <a:r>
-              <a:rPr lang="en-IN" dirty="0" smtClean="0"/>
+              <a:rPr lang="en-IN" dirty="0"/>
               <a:t>The Channels with highest </a:t>
             </a:r>
             <a:r>
-              <a:rPr lang="en-IN" dirty="0" err="1" smtClean="0"/>
+              <a:rPr lang="en-IN" dirty="0" err="1"/>
               <a:t>datapoints</a:t>
             </a:r>
             <a:r>
-              <a:rPr lang="en-IN" dirty="0" smtClean="0"/>
+              <a:rPr lang="en-IN" dirty="0"/>
               <a:t> were:</a:t>
             </a:r>
           </a:p>
           <a:p>
             <a:pPr lvl="1"/>
             <a:r>
-              <a:rPr lang="en-IN" dirty="0" smtClean="0"/>
+              <a:rPr lang="en-IN" dirty="0"/>
               <a:t>Demographic</a:t>
             </a:r>
           </a:p>
           <a:p>
             <a:pPr lvl="1"/>
             <a:r>
-              <a:rPr lang="en-IN" dirty="0" smtClean="0"/>
+              <a:rPr lang="en-IN" dirty="0"/>
               <a:t>Communication </a:t>
             </a:r>
           </a:p>
           <a:p>
             <a:pPr lvl="1"/>
             <a:r>
-              <a:rPr lang="en-IN" dirty="0" smtClean="0"/>
+              <a:rPr lang="en-IN" dirty="0"/>
               <a:t>Travel (almost 10 times less than the other 2)</a:t>
             </a:r>
             <a:endParaRPr lang="en-GB" dirty="0"/>
@@ -4998,7 +5006,7 @@
           <a:lstStyle/>
           <a:p>
             <a:r>
-              <a:rPr lang="en-IN" dirty="0" smtClean="0"/>
+              <a:rPr lang="en-IN" dirty="0"/>
               <a:t>Communication Channel</a:t>
             </a:r>
             <a:endParaRPr lang="en-GB" dirty="0"/>
@@ -5023,80 +5031,80 @@
           <a:lstStyle/>
           <a:p>
             <a:r>
-              <a:rPr lang="en-IN" dirty="0" smtClean="0"/>
+              <a:rPr lang="en-IN" dirty="0"/>
               <a:t>For Template:</a:t>
             </a:r>
           </a:p>
           <a:p>
             <a:pPr lvl="1"/>
             <a:r>
-              <a:rPr lang="en-IN" dirty="0" smtClean="0"/>
+              <a:rPr lang="en-IN" dirty="0"/>
               <a:t>Source IDs, Target IDs, Time, Source and Target Locations with some NA values</a:t>
             </a:r>
           </a:p>
           <a:p>
             <a:pPr lvl="1"/>
             <a:r>
-              <a:rPr lang="en-IN" dirty="0" smtClean="0"/>
+              <a:rPr lang="en-IN" dirty="0"/>
               <a:t>No Latitude, Longitude Information</a:t>
             </a:r>
           </a:p>
           <a:p>
             <a:pPr lvl="1"/>
             <a:r>
-              <a:rPr lang="en-IN" dirty="0" smtClean="0"/>
+              <a:rPr lang="en-IN" dirty="0"/>
               <a:t>All Weights = 1</a:t>
             </a:r>
           </a:p>
           <a:p>
             <a:pPr lvl="1"/>
             <a:r>
-              <a:rPr lang="en-IN" dirty="0" smtClean="0"/>
+              <a:rPr lang="en-IN" dirty="0"/>
               <a:t>Weights, </a:t>
             </a:r>
             <a:r>
-              <a:rPr lang="en-IN" dirty="0" err="1" smtClean="0"/>
+              <a:rPr lang="en-IN" dirty="0" err="1"/>
               <a:t>Lat</a:t>
             </a:r>
             <a:r>
-              <a:rPr lang="en-IN" dirty="0" smtClean="0"/>
+              <a:rPr lang="en-IN" dirty="0"/>
               <a:t>/Long were removed</a:t>
             </a:r>
           </a:p>
           <a:p>
             <a:r>
-              <a:rPr lang="en-IN" dirty="0" smtClean="0"/>
+              <a:rPr lang="en-IN" dirty="0"/>
               <a:t>For Graph:</a:t>
             </a:r>
           </a:p>
           <a:p>
             <a:pPr lvl="1"/>
             <a:r>
-              <a:rPr lang="en-IN" dirty="0" smtClean="0"/>
+              <a:rPr lang="en-IN" dirty="0"/>
               <a:t>Source IDs, Target IDs, Time, Source and Target Locations with some NA values and Source and Target Latitudes/Longitudes with a some NA</a:t>
             </a:r>
           </a:p>
           <a:p>
             <a:pPr lvl="1"/>
             <a:r>
-              <a:rPr lang="en-IN" dirty="0" smtClean="0"/>
+              <a:rPr lang="en-IN" dirty="0"/>
               <a:t>All Weights = 1</a:t>
             </a:r>
           </a:p>
           <a:p>
             <a:pPr lvl="1"/>
             <a:r>
-              <a:rPr lang="en-IN" dirty="0" smtClean="0"/>
+              <a:rPr lang="en-IN" dirty="0"/>
               <a:t>Weights were removed</a:t>
             </a:r>
           </a:p>
           <a:p>
             <a:pPr lvl="1"/>
-            <a:endParaRPr lang="en-IN" dirty="0" smtClean="0"/>
+            <a:endParaRPr lang="en-IN" dirty="0"/>
           </a:p>
           <a:p>
             <a:pPr lvl="1"/>
-            <a:endParaRPr lang="en-IN" dirty="0" smtClean="0"/>
+            <a:endParaRPr lang="en-IN" dirty="0"/>
           </a:p>
         </p:txBody>
       </p:sp>
@@ -5146,7 +5154,7 @@
           <a:lstStyle/>
           <a:p>
             <a:r>
-              <a:rPr lang="en-IN" dirty="0" smtClean="0"/>
+              <a:rPr lang="en-IN" dirty="0"/>
               <a:t>Demographic Channel</a:t>
             </a:r>
             <a:endParaRPr lang="en-GB" dirty="0"/>
@@ -5171,64 +5179,64 @@
           <a:lstStyle/>
           <a:p>
             <a:r>
-              <a:rPr lang="en-IN" dirty="0" smtClean="0"/>
+              <a:rPr lang="en-IN" dirty="0"/>
               <a:t>For Template:</a:t>
             </a:r>
           </a:p>
           <a:p>
             <a:pPr lvl="1"/>
             <a:r>
-              <a:rPr lang="en-IN" dirty="0" smtClean="0"/>
+              <a:rPr lang="en-IN" dirty="0"/>
               <a:t>Source IDs, Target IDs, Time, Weights</a:t>
             </a:r>
           </a:p>
           <a:p>
             <a:pPr lvl="1"/>
             <a:r>
-              <a:rPr lang="en-IN" dirty="0" smtClean="0"/>
+              <a:rPr lang="en-IN" dirty="0"/>
               <a:t>No Source or Target Locations ,Latitude, Longitude Information</a:t>
             </a:r>
           </a:p>
           <a:p>
             <a:pPr lvl="1"/>
             <a:r>
-              <a:rPr lang="en-IN" dirty="0" smtClean="0"/>
+              <a:rPr lang="en-IN" dirty="0"/>
               <a:t>All columns with NA values were removed</a:t>
             </a:r>
           </a:p>
           <a:p>
             <a:pPr lvl="1"/>
             <a:r>
-              <a:rPr lang="en-IN" dirty="0" smtClean="0"/>
+              <a:rPr lang="en-IN" dirty="0"/>
               <a:t>Weights contain both Income and Expense categories.</a:t>
             </a:r>
           </a:p>
           <a:p>
             <a:pPr lvl="1"/>
             <a:r>
-              <a:rPr lang="en-IN" dirty="0" smtClean="0"/>
+              <a:rPr lang="en-IN" dirty="0"/>
               <a:t>The categories were filtered based on Source and Target IDs and the </a:t>
             </a:r>
             <a:r>
-              <a:rPr lang="en-IN" dirty="0" err="1" smtClean="0"/>
+              <a:rPr lang="en-IN" dirty="0" err="1"/>
               <a:t>NodeIDs</a:t>
             </a:r>
             <a:r>
-              <a:rPr lang="en-IN" dirty="0" smtClean="0"/>
+              <a:rPr lang="en-IN" dirty="0"/>
               <a:t> given in Demographic.csv</a:t>
             </a:r>
           </a:p>
           <a:p>
             <a:pPr lvl="1"/>
             <a:r>
-              <a:rPr lang="en-IN" dirty="0" smtClean="0"/>
+              <a:rPr lang="en-IN" dirty="0"/>
               <a:t>After extraction, number of:</a:t>
             </a:r>
           </a:p>
           <a:p>
             <a:pPr lvl="2"/>
             <a:r>
-              <a:rPr lang="en-IN" dirty="0" smtClean="0">
+              <a:rPr lang="en-IN" dirty="0">
                 <a:solidFill>
                   <a:srgbClr val="FF0000"/>
                 </a:solidFill>
@@ -5239,7 +5247,7 @@
           <a:p>
             <a:pPr lvl="2"/>
             <a:r>
-              <a:rPr lang="en-IN" dirty="0" smtClean="0">
+              <a:rPr lang="en-IN" dirty="0">
                 <a:solidFill>
                   <a:srgbClr val="FF0000"/>
                 </a:solidFill>
@@ -5247,21 +5255,21 @@
               <a:t>Expense Categories -&gt; 27 </a:t>
             </a:r>
             <a:r>
-              <a:rPr lang="en-IN" dirty="0" smtClean="0"/>
+              <a:rPr lang="en-IN" dirty="0"/>
               <a:t>(including 1 common category (Personal Tax) with Incomes)</a:t>
             </a:r>
           </a:p>
           <a:p>
             <a:pPr lvl="1"/>
             <a:r>
-              <a:rPr lang="en-IN" dirty="0" smtClean="0"/>
+              <a:rPr lang="en-IN" dirty="0"/>
               <a:t>Weights represent money spent or received on/from each category</a:t>
             </a:r>
           </a:p>
           <a:p>
             <a:pPr lvl="1"/>
             <a:r>
-              <a:rPr lang="en-IN" dirty="0" smtClean="0">
+              <a:rPr lang="en-IN" dirty="0">
                 <a:solidFill>
                   <a:srgbClr val="FF0000"/>
                 </a:solidFill>
@@ -5271,7 +5279,7 @@
           </a:p>
           <a:p>
             <a:pPr lvl="1"/>
-            <a:endParaRPr lang="en-IN" dirty="0" smtClean="0"/>
+            <a:endParaRPr lang="en-IN" dirty="0"/>
           </a:p>
         </p:txBody>
       </p:sp>
@@ -5323,14 +5331,14 @@
           <a:lstStyle/>
           <a:p>
             <a:r>
-              <a:rPr lang="en-IN" sz="4000" dirty="0" smtClean="0"/>
+              <a:rPr lang="en-IN" sz="4000" dirty="0"/>
               <a:t>Income Categories (Source) v/s Weight (Money)</a:t>
             </a:r>
             <a:br>
-              <a:rPr lang="en-IN" sz="4000" dirty="0" smtClean="0"/>
+              <a:rPr lang="en-IN" sz="4000" dirty="0"/>
             </a:br>
             <a:r>
-              <a:rPr lang="en-IN" sz="2800" dirty="0" smtClean="0"/>
+              <a:rPr lang="en-IN" sz="2800" dirty="0"/>
               <a:t>Template:</a:t>
             </a:r>
             <a:endParaRPr lang="en-GB" sz="4000" dirty="0"/>
@@ -5409,14 +5417,14 @@
           <a:lstStyle/>
           <a:p>
             <a:r>
-              <a:rPr lang="en-IN" sz="4000" dirty="0" smtClean="0"/>
+              <a:rPr lang="en-IN" sz="4000" dirty="0"/>
               <a:t>Expense Categories (Target) v/s Weight (Money)</a:t>
             </a:r>
             <a:br>
-              <a:rPr lang="en-IN" sz="4000" dirty="0" smtClean="0"/>
+              <a:rPr lang="en-IN" sz="4000" dirty="0"/>
             </a:br>
             <a:r>
-              <a:rPr lang="en-IN" sz="2800" dirty="0" smtClean="0"/>
+              <a:rPr lang="en-IN" sz="2800" dirty="0"/>
               <a:t>Template:</a:t>
             </a:r>
             <a:endParaRPr lang="en-GB" sz="4000" dirty="0"/>
@@ -5495,14 +5503,14 @@
           <a:lstStyle/>
           <a:p>
             <a:r>
-              <a:rPr lang="en-IN" sz="4000" dirty="0" smtClean="0"/>
+              <a:rPr lang="en-IN" sz="4000" dirty="0"/>
               <a:t>Weight Distribution</a:t>
             </a:r>
             <a:br>
-              <a:rPr lang="en-IN" sz="4000" dirty="0" smtClean="0"/>
+              <a:rPr lang="en-IN" sz="4000" dirty="0"/>
             </a:br>
             <a:r>
-              <a:rPr lang="en-IN" sz="2800" dirty="0" smtClean="0"/>
+              <a:rPr lang="en-IN" sz="2800" dirty="0"/>
               <a:t>Template:</a:t>
             </a:r>
             <a:endParaRPr lang="en-GB" sz="4000" dirty="0"/>
@@ -5603,7 +5611,7 @@
           <a:lstStyle/>
           <a:p>
             <a:r>
-              <a:rPr lang="en-IN" dirty="0" smtClean="0"/>
+              <a:rPr lang="en-IN" dirty="0"/>
               <a:t>Demographic Channel</a:t>
             </a:r>
             <a:endParaRPr lang="en-GB" dirty="0"/>
@@ -5628,64 +5636,64 @@
           <a:lstStyle/>
           <a:p>
             <a:r>
-              <a:rPr lang="en-IN" dirty="0" smtClean="0"/>
+              <a:rPr lang="en-IN" dirty="0"/>
               <a:t>For Graphs:</a:t>
             </a:r>
           </a:p>
           <a:p>
             <a:pPr lvl="1"/>
             <a:r>
-              <a:rPr lang="en-IN" dirty="0" smtClean="0"/>
+              <a:rPr lang="en-IN" dirty="0"/>
               <a:t>Source IDs, Target IDs, Time, Weights</a:t>
             </a:r>
           </a:p>
           <a:p>
             <a:pPr lvl="1"/>
             <a:r>
-              <a:rPr lang="en-IN" dirty="0" smtClean="0"/>
+              <a:rPr lang="en-IN" dirty="0"/>
               <a:t>No Source or Target Locations ,Latitude, Longitude Information</a:t>
             </a:r>
           </a:p>
           <a:p>
             <a:pPr lvl="1"/>
             <a:r>
-              <a:rPr lang="en-IN" dirty="0" smtClean="0"/>
+              <a:rPr lang="en-IN" dirty="0"/>
               <a:t>All columns with NA values were removed</a:t>
             </a:r>
           </a:p>
           <a:p>
             <a:pPr lvl="1"/>
             <a:r>
-              <a:rPr lang="en-IN" dirty="0" smtClean="0"/>
+              <a:rPr lang="en-IN" dirty="0"/>
               <a:t>Weights contain both Income and Expense categories.</a:t>
             </a:r>
           </a:p>
           <a:p>
             <a:pPr lvl="1"/>
             <a:r>
-              <a:rPr lang="en-IN" dirty="0" smtClean="0"/>
+              <a:rPr lang="en-IN" dirty="0"/>
               <a:t>The categories were filtered based on Source and Target IDs and the </a:t>
             </a:r>
             <a:r>
-              <a:rPr lang="en-IN" dirty="0" err="1" smtClean="0"/>
+              <a:rPr lang="en-IN" dirty="0" err="1"/>
               <a:t>NodeIDs</a:t>
             </a:r>
             <a:r>
-              <a:rPr lang="en-IN" dirty="0" smtClean="0"/>
+              <a:rPr lang="en-IN" dirty="0"/>
               <a:t> given in Demographic.csv</a:t>
             </a:r>
           </a:p>
           <a:p>
             <a:pPr lvl="1"/>
             <a:r>
-              <a:rPr lang="en-IN" dirty="0" smtClean="0"/>
+              <a:rPr lang="en-IN" dirty="0"/>
               <a:t>After extraction, number of:</a:t>
             </a:r>
           </a:p>
           <a:p>
             <a:pPr lvl="2"/>
             <a:r>
-              <a:rPr lang="en-IN" dirty="0" smtClean="0">
+              <a:rPr lang="en-IN" dirty="0">
                 <a:solidFill>
                   <a:srgbClr val="FF0000"/>
                 </a:solidFill>
@@ -5696,7 +5704,7 @@
           <a:p>
             <a:pPr lvl="2"/>
             <a:r>
-              <a:rPr lang="en-IN" dirty="0" smtClean="0">
+              <a:rPr lang="en-IN" dirty="0">
                 <a:solidFill>
                   <a:srgbClr val="FF0000"/>
                 </a:solidFill>
@@ -5704,21 +5712,21 @@
               <a:t>Expense Categories -&gt; 27</a:t>
             </a:r>
             <a:r>
-              <a:rPr lang="en-IN" dirty="0" smtClean="0"/>
+              <a:rPr lang="en-IN" dirty="0"/>
               <a:t> (including 1 common category (Personal Tax) with Incomes)</a:t>
             </a:r>
           </a:p>
           <a:p>
             <a:pPr lvl="1"/>
             <a:r>
-              <a:rPr lang="en-IN" dirty="0" smtClean="0"/>
+              <a:rPr lang="en-IN" dirty="0"/>
               <a:t>Weights represent money spent or received on/from each category</a:t>
             </a:r>
           </a:p>
           <a:p>
             <a:pPr lvl="1"/>
             <a:r>
-              <a:rPr lang="en-IN" dirty="0" smtClean="0">
+              <a:rPr lang="en-IN" dirty="0">
                 <a:solidFill>
                   <a:srgbClr val="FF0000"/>
                 </a:solidFill>
@@ -5776,14 +5784,14 @@
           <a:lstStyle/>
           <a:p>
             <a:r>
-              <a:rPr lang="en-IN" sz="4000" dirty="0" smtClean="0"/>
+              <a:rPr lang="en-IN" sz="4000" dirty="0"/>
               <a:t>Income Categories (Source) v/s Weight (Money)</a:t>
             </a:r>
             <a:br>
-              <a:rPr lang="en-IN" sz="4000" dirty="0" smtClean="0"/>
+              <a:rPr lang="en-IN" sz="4000" dirty="0"/>
             </a:br>
             <a:r>
-              <a:rPr lang="en-IN" sz="2800" dirty="0" smtClean="0"/>
+              <a:rPr lang="en-IN" sz="2800" dirty="0"/>
               <a:t>Graph 1:</a:t>
             </a:r>
             <a:endParaRPr lang="en-GB" sz="4000" dirty="0"/>
